--- a/monte carlo poster template.pptx
+++ b/monte carlo poster template.pptx
@@ -312,7 +312,7 @@
           <a:p>
             <a:fld id="{0B7A2DEA-69B7-D343-870B-04A176525892}" type="datetimeFigureOut">
               <a:rPr lang="de-DE" smtClean="0"/>
-              <a:t>15.01.17</a:t>
+              <a:t>24.01.17</a:t>
             </a:fld>
             <a:endParaRPr lang="en-US"/>
           </a:p>
@@ -482,7 +482,7 @@
           <a:p>
             <a:fld id="{0B7A2DEA-69B7-D343-870B-04A176525892}" type="datetimeFigureOut">
               <a:rPr lang="de-DE" smtClean="0"/>
-              <a:t>15.01.17</a:t>
+              <a:t>24.01.17</a:t>
             </a:fld>
             <a:endParaRPr lang="en-US"/>
           </a:p>
@@ -662,7 +662,7 @@
           <a:p>
             <a:fld id="{0B7A2DEA-69B7-D343-870B-04A176525892}" type="datetimeFigureOut">
               <a:rPr lang="de-DE" smtClean="0"/>
-              <a:t>15.01.17</a:t>
+              <a:t>24.01.17</a:t>
             </a:fld>
             <a:endParaRPr lang="en-US"/>
           </a:p>
@@ -832,7 +832,7 @@
           <a:p>
             <a:fld id="{0B7A2DEA-69B7-D343-870B-04A176525892}" type="datetimeFigureOut">
               <a:rPr lang="de-DE" smtClean="0"/>
-              <a:t>15.01.17</a:t>
+              <a:t>24.01.17</a:t>
             </a:fld>
             <a:endParaRPr lang="en-US"/>
           </a:p>
@@ -1078,7 +1078,7 @@
           <a:p>
             <a:fld id="{0B7A2DEA-69B7-D343-870B-04A176525892}" type="datetimeFigureOut">
               <a:rPr lang="de-DE" smtClean="0"/>
-              <a:t>15.01.17</a:t>
+              <a:t>24.01.17</a:t>
             </a:fld>
             <a:endParaRPr lang="en-US"/>
           </a:p>
@@ -1366,7 +1366,7 @@
           <a:p>
             <a:fld id="{0B7A2DEA-69B7-D343-870B-04A176525892}" type="datetimeFigureOut">
               <a:rPr lang="de-DE" smtClean="0"/>
-              <a:t>15.01.17</a:t>
+              <a:t>24.01.17</a:t>
             </a:fld>
             <a:endParaRPr lang="en-US"/>
           </a:p>
@@ -1793,7 +1793,7 @@
           <a:p>
             <a:fld id="{0B7A2DEA-69B7-D343-870B-04A176525892}" type="datetimeFigureOut">
               <a:rPr lang="de-DE" smtClean="0"/>
-              <a:t>15.01.17</a:t>
+              <a:t>24.01.17</a:t>
             </a:fld>
             <a:endParaRPr lang="en-US"/>
           </a:p>
@@ -1911,7 +1911,7 @@
           <a:p>
             <a:fld id="{0B7A2DEA-69B7-D343-870B-04A176525892}" type="datetimeFigureOut">
               <a:rPr lang="de-DE" smtClean="0"/>
-              <a:t>15.01.17</a:t>
+              <a:t>24.01.17</a:t>
             </a:fld>
             <a:endParaRPr lang="en-US"/>
           </a:p>
@@ -2006,7 +2006,7 @@
           <a:p>
             <a:fld id="{0B7A2DEA-69B7-D343-870B-04A176525892}" type="datetimeFigureOut">
               <a:rPr lang="de-DE" smtClean="0"/>
-              <a:t>15.01.17</a:t>
+              <a:t>24.01.17</a:t>
             </a:fld>
             <a:endParaRPr lang="en-US"/>
           </a:p>
@@ -2283,7 +2283,7 @@
           <a:p>
             <a:fld id="{0B7A2DEA-69B7-D343-870B-04A176525892}" type="datetimeFigureOut">
               <a:rPr lang="de-DE" smtClean="0"/>
-              <a:t>15.01.17</a:t>
+              <a:t>24.01.17</a:t>
             </a:fld>
             <a:endParaRPr lang="en-US"/>
           </a:p>
@@ -2536,7 +2536,7 @@
           <a:p>
             <a:fld id="{0B7A2DEA-69B7-D343-870B-04A176525892}" type="datetimeFigureOut">
               <a:rPr lang="de-DE" smtClean="0"/>
-              <a:t>15.01.17</a:t>
+              <a:t>24.01.17</a:t>
             </a:fld>
             <a:endParaRPr lang="en-US"/>
           </a:p>
@@ -2749,7 +2749,7 @@
           <a:p>
             <a:fld id="{0B7A2DEA-69B7-D343-870B-04A176525892}" type="datetimeFigureOut">
               <a:rPr lang="de-DE" smtClean="0"/>
-              <a:t>15.01.17</a:t>
+              <a:t>24.01.17</a:t>
             </a:fld>
             <a:endParaRPr lang="en-US"/>
           </a:p>
@@ -3363,14 +3363,14 @@
               </a:spcBef>
             </a:pPr>
             <a:r>
-              <a:rPr lang="en-US" sz="5500" b="1" smtClean="0">
+              <a:rPr lang="en-US" sz="5500" b="1" dirty="0" smtClean="0">
                 <a:solidFill>
                   <a:srgbClr val="FFFFFF"/>
                 </a:solidFill>
                 <a:latin typeface="Arial" panose="020B0604020202020204" pitchFamily="34" charset="0"/>
                 <a:cs typeface="Arial" panose="020B0604020202020204" pitchFamily="34" charset="0"/>
               </a:rPr>
-              <a:t>Free University </a:t>
+              <a:t>Free University Berlin, Berlin, </a:t>
             </a:r>
             <a:r>
               <a:rPr lang="en-US" sz="5500" b="1" dirty="0" smtClean="0">
@@ -3380,7 +3380,7 @@
                 <a:latin typeface="Arial" panose="020B0604020202020204" pitchFamily="34" charset="0"/>
                 <a:cs typeface="Arial" panose="020B0604020202020204" pitchFamily="34" charset="0"/>
               </a:rPr>
-              <a:t>Berlin, Berlin, Germany</a:t>
+              <a:t>Germany</a:t>
             </a:r>
           </a:p>
           <a:p>
@@ -3390,26 +3390,16 @@
               </a:spcBef>
             </a:pPr>
             <a:r>
-              <a:rPr lang="en-AU" sz="5500" b="1" dirty="0" smtClean="0">
+              <a:rPr lang="en-US" sz="5500" b="1" smtClean="0">
                 <a:solidFill>
                   <a:srgbClr val="FFFFFF"/>
                 </a:solidFill>
                 <a:latin typeface="Arial" panose="020B0604020202020204" pitchFamily="34" charset="0"/>
                 <a:cs typeface="Arial" panose="020B0604020202020204" pitchFamily="34" charset="0"/>
               </a:rPr>
-              <a:t>*</a:t>
-            </a:r>
-            <a:r>
-              <a:rPr lang="de-DE" sz="5500" b="1" dirty="0" err="1" smtClean="0">
-                <a:solidFill>
-                  <a:srgbClr val="FFFFFF"/>
-                </a:solidFill>
-                <a:latin typeface="Arial" panose="020B0604020202020204" pitchFamily="34" charset="0"/>
-                <a:cs typeface="Arial" panose="020B0604020202020204" pitchFamily="34" charset="0"/>
-              </a:rPr>
-              <a:t>nikolas.hoeft@hu-berlin.de</a:t>
-            </a:r>
-            <a:endParaRPr lang="de-DE" sz="5500" b="1" dirty="0">
+              <a:t>Humboldt University Berlin, Berlin, Germany</a:t>
+            </a:r>
+            <a:endParaRPr lang="en-US" sz="5500" b="1" dirty="0" smtClean="0">
               <a:solidFill>
                 <a:srgbClr val="FFFFFF"/>
               </a:solidFill>
@@ -4085,8 +4075,8 @@
         </p:nvSpPr>
         <p:spPr>
           <a:xfrm>
-            <a:off x="326163" y="16747020"/>
-            <a:ext cx="29214887" cy="19689411"/>
+            <a:off x="291396" y="16672172"/>
+            <a:ext cx="29214887" cy="18501569"/>
           </a:xfrm>
           <a:prstGeom prst="rect">
             <a:avLst/>
@@ -4133,7 +4123,7 @@
         </p:nvSpPr>
         <p:spPr>
           <a:xfrm>
-            <a:off x="14758183" y="35210903"/>
+            <a:off x="14871309" y="35281487"/>
             <a:ext cx="14387482" cy="5695364"/>
           </a:xfrm>
           <a:prstGeom prst="rect">
@@ -4176,7 +4166,7 @@
         </p:nvSpPr>
         <p:spPr>
           <a:xfrm>
-            <a:off x="317369" y="35096542"/>
+            <a:off x="317368" y="35287607"/>
             <a:ext cx="14231913" cy="5809725"/>
           </a:xfrm>
           <a:prstGeom prst="rect">
@@ -5020,15 +5010,7 @@
                 <a:ea typeface="Times New Roman" charset="0"/>
                 <a:cs typeface="Times New Roman" charset="0"/>
               </a:rPr>
-              <a:t>o</a:t>
-            </a:r>
-            <a:r>
-              <a:rPr lang="de-DE" sz="3000" dirty="0" err="1" smtClean="0">
-                <a:latin typeface="Times New Roman" charset="0"/>
-                <a:ea typeface="Times New Roman" charset="0"/>
-                <a:cs typeface="Times New Roman" charset="0"/>
-              </a:rPr>
-              <a:t>bserved</a:t>
+              <a:t>observed</a:t>
             </a:r>
             <a:r>
               <a:rPr lang="de-DE" sz="3000" dirty="0" smtClean="0">
@@ -6330,7 +6312,7 @@
                 <a:ea typeface="Times New Roman" charset="0"/>
                 <a:cs typeface="Times New Roman" charset="0"/>
               </a:rPr>
-              <a:t>methods</a:t>
+              <a:t>tests</a:t>
             </a:r>
             <a:r>
               <a:rPr lang="de-DE" sz="2800" dirty="0" smtClean="0">
@@ -7204,11 +7186,7 @@
             </a:r>
             <a:r>
               <a:rPr lang="de-DE" sz="2800" dirty="0"/>
-              <a:t>, 1995)</a:t>
-            </a:r>
-            <a:r>
-              <a:rPr lang="de-DE" sz="2800" dirty="0"/>
-              <a:t> </a:t>
+              <a:t>, 1995) </a:t>
             </a:r>
             <a:endParaRPr lang="sv-SE" sz="2800" dirty="0" smtClean="0">
               <a:solidFill>
@@ -8363,6 +8341,98 @@
           </a:p>
         </p:txBody>
       </p:sp>
+      <p:cxnSp>
+        <p:nvCxnSpPr>
+          <p:cNvPr id="37" name="Gerade Verbindung 40"/>
+          <p:cNvCxnSpPr/>
+          <p:nvPr/>
+        </p:nvCxnSpPr>
+        <p:spPr>
+          <a:xfrm>
+            <a:off x="14611821" y="24742088"/>
+            <a:ext cx="33165" cy="9298130"/>
+          </a:xfrm>
+          <a:prstGeom prst="line">
+            <a:avLst/>
+          </a:prstGeom>
+          <a:ln w="63500"/>
+          <a:effectLst/>
+        </p:spPr>
+        <p:style>
+          <a:lnRef idx="2">
+            <a:schemeClr val="accent1"/>
+          </a:lnRef>
+          <a:fillRef idx="0">
+            <a:schemeClr val="accent1"/>
+          </a:fillRef>
+          <a:effectRef idx="1">
+            <a:schemeClr val="accent1"/>
+          </a:effectRef>
+          <a:fontRef idx="minor">
+            <a:schemeClr val="tx1"/>
+          </a:fontRef>
+        </p:style>
+      </p:cxnSp>
+      <p:pic>
+        <p:nvPicPr>
+          <p:cNvPr id="9" name="Bild 8"/>
+          <p:cNvPicPr>
+            <a:picLocks noChangeAspect="1"/>
+          </p:cNvPicPr>
+          <p:nvPr/>
+        </p:nvPicPr>
+        <p:blipFill>
+          <a:blip r:embed="rId6">
+            <a:extLst>
+              <a:ext uri="{28A0092B-C50C-407E-A947-70E740481C1C}">
+                <a14:useLocalDpi xmlns:a14="http://schemas.microsoft.com/office/drawing/2010/main" val="0"/>
+              </a:ext>
+            </a:extLst>
+          </a:blip>
+          <a:stretch>
+            <a:fillRect/>
+          </a:stretch>
+        </p:blipFill>
+        <p:spPr>
+          <a:xfrm>
+            <a:off x="619337" y="3198217"/>
+            <a:ext cx="6860795" cy="1959138"/>
+          </a:xfrm>
+          <a:prstGeom prst="rect">
+            <a:avLst/>
+          </a:prstGeom>
+        </p:spPr>
+      </p:pic>
+      <p:pic>
+        <p:nvPicPr>
+          <p:cNvPr id="10" name="Bild 9"/>
+          <p:cNvPicPr>
+            <a:picLocks noChangeAspect="1"/>
+          </p:cNvPicPr>
+          <p:nvPr/>
+        </p:nvPicPr>
+        <p:blipFill>
+          <a:blip r:embed="rId7">
+            <a:extLst>
+              <a:ext uri="{28A0092B-C50C-407E-A947-70E740481C1C}">
+                <a14:useLocalDpi xmlns:a14="http://schemas.microsoft.com/office/drawing/2010/main" val="0"/>
+              </a:ext>
+            </a:extLst>
+          </a:blip>
+          <a:stretch>
+            <a:fillRect/>
+          </a:stretch>
+        </p:blipFill>
+        <p:spPr>
+          <a:xfrm>
+            <a:off x="23184732" y="1788593"/>
+            <a:ext cx="5080000" cy="5080000"/>
+          </a:xfrm>
+          <a:prstGeom prst="rect">
+            <a:avLst/>
+          </a:prstGeom>
+        </p:spPr>
+      </p:pic>
     </p:spTree>
     <p:extLst>
       <p:ext uri="{BB962C8B-B14F-4D97-AF65-F5344CB8AC3E}">

--- a/monte carlo poster template.pptx
+++ b/monte carlo poster template.pptx
@@ -3370,17 +3370,7 @@
                 <a:latin typeface="Arial" panose="020B0604020202020204" pitchFamily="34" charset="0"/>
                 <a:cs typeface="Arial" panose="020B0604020202020204" pitchFamily="34" charset="0"/>
               </a:rPr>
-              <a:t>Free University Berlin, Berlin, </a:t>
-            </a:r>
-            <a:r>
-              <a:rPr lang="en-US" sz="5500" b="1" dirty="0" smtClean="0">
-                <a:solidFill>
-                  <a:srgbClr val="FFFFFF"/>
-                </a:solidFill>
-                <a:latin typeface="Arial" panose="020B0604020202020204" pitchFamily="34" charset="0"/>
-                <a:cs typeface="Arial" panose="020B0604020202020204" pitchFamily="34" charset="0"/>
-              </a:rPr>
-              <a:t>Germany</a:t>
+              <a:t>Free University Berlin, Berlin, Germany</a:t>
             </a:r>
           </a:p>
           <a:p>
@@ -7913,66 +7903,6 @@
           </a:prstGeom>
         </p:spPr>
       </p:pic>
-      <p:pic>
-        <p:nvPicPr>
-          <p:cNvPr id="5" name="Bild 4"/>
-          <p:cNvPicPr>
-            <a:picLocks noChangeAspect="1"/>
-          </p:cNvPicPr>
-          <p:nvPr/>
-        </p:nvPicPr>
-        <p:blipFill>
-          <a:blip r:embed="rId4">
-            <a:extLst>
-              <a:ext uri="{28A0092B-C50C-407E-A947-70E740481C1C}">
-                <a14:useLocalDpi xmlns:a14="http://schemas.microsoft.com/office/drawing/2010/main" val="0"/>
-              </a:ext>
-            </a:extLst>
-          </a:blip>
-          <a:stretch>
-            <a:fillRect/>
-          </a:stretch>
-        </p:blipFill>
-        <p:spPr>
-          <a:xfrm>
-            <a:off x="15087367" y="18194181"/>
-            <a:ext cx="6942024" cy="5835829"/>
-          </a:xfrm>
-          <a:prstGeom prst="rect">
-            <a:avLst/>
-          </a:prstGeom>
-        </p:spPr>
-      </p:pic>
-      <p:pic>
-        <p:nvPicPr>
-          <p:cNvPr id="7" name="Bild 6"/>
-          <p:cNvPicPr>
-            <a:picLocks noChangeAspect="1"/>
-          </p:cNvPicPr>
-          <p:nvPr/>
-        </p:nvPicPr>
-        <p:blipFill>
-          <a:blip r:embed="rId5">
-            <a:extLst>
-              <a:ext uri="{28A0092B-C50C-407E-A947-70E740481C1C}">
-                <a14:useLocalDpi xmlns:a14="http://schemas.microsoft.com/office/drawing/2010/main" val="0"/>
-              </a:ext>
-            </a:extLst>
-          </a:blip>
-          <a:stretch>
-            <a:fillRect/>
-          </a:stretch>
-        </p:blipFill>
-        <p:spPr>
-          <a:xfrm>
-            <a:off x="22303800" y="18253139"/>
-            <a:ext cx="6841865" cy="5731450"/>
-          </a:xfrm>
-          <a:prstGeom prst="rect">
-            <a:avLst/>
-          </a:prstGeom>
-        </p:spPr>
-      </p:pic>
       <p:sp>
         <p:nvSpPr>
           <p:cNvPr id="11" name="Textfeld 10"/>
@@ -8382,7 +8312,7 @@
           <p:nvPr/>
         </p:nvPicPr>
         <p:blipFill>
-          <a:blip r:embed="rId6">
+          <a:blip r:embed="rId4">
             <a:extLst>
               <a:ext uri="{28A0092B-C50C-407E-A947-70E740481C1C}">
                 <a14:useLocalDpi xmlns:a14="http://schemas.microsoft.com/office/drawing/2010/main" val="0"/>
@@ -8412,7 +8342,7 @@
           <p:nvPr/>
         </p:nvPicPr>
         <p:blipFill>
-          <a:blip r:embed="rId7">
+          <a:blip r:embed="rId5">
             <a:extLst>
               <a:ext uri="{28A0092B-C50C-407E-A947-70E740481C1C}">
                 <a14:useLocalDpi xmlns:a14="http://schemas.microsoft.com/office/drawing/2010/main" val="0"/>
@@ -8427,6 +8357,36 @@
           <a:xfrm>
             <a:off x="23184732" y="1788593"/>
             <a:ext cx="5080000" cy="5080000"/>
+          </a:xfrm>
+          <a:prstGeom prst="rect">
+            <a:avLst/>
+          </a:prstGeom>
+        </p:spPr>
+      </p:pic>
+      <p:pic>
+        <p:nvPicPr>
+          <p:cNvPr id="12" name="Bild 11"/>
+          <p:cNvPicPr>
+            <a:picLocks noChangeAspect="1"/>
+          </p:cNvPicPr>
+          <p:nvPr/>
+        </p:nvPicPr>
+        <p:blipFill>
+          <a:blip r:embed="rId6">
+            <a:extLst>
+              <a:ext uri="{28A0092B-C50C-407E-A947-70E740481C1C}">
+                <a14:useLocalDpi xmlns:a14="http://schemas.microsoft.com/office/drawing/2010/main" val="0"/>
+              </a:ext>
+            </a:extLst>
+          </a:blip>
+          <a:stretch>
+            <a:fillRect/>
+          </a:stretch>
+        </p:blipFill>
+        <p:spPr>
+          <a:xfrm>
+            <a:off x="22302125" y="18143477"/>
+            <a:ext cx="5667386" cy="5667386"/>
           </a:xfrm>
           <a:prstGeom prst="rect">
             <a:avLst/>
